--- a/Organizer/Digits-Recognizer.pptx
+++ b/Organizer/Digits-Recognizer.pptx
@@ -6,19 +6,21 @@
   </p:sldMasterIdLst>
   <p:sldIdLst>
     <p:sldId id="256" r:id="rId2"/>
-    <p:sldId id="279" r:id="rId3"/>
-    <p:sldId id="283" r:id="rId4"/>
-    <p:sldId id="280" r:id="rId5"/>
-    <p:sldId id="273" r:id="rId6"/>
-    <p:sldId id="274" r:id="rId7"/>
-    <p:sldId id="269" r:id="rId8"/>
-    <p:sldId id="275" r:id="rId9"/>
-    <p:sldId id="276" r:id="rId10"/>
-    <p:sldId id="270" r:id="rId11"/>
-    <p:sldId id="271" r:id="rId12"/>
-    <p:sldId id="272" r:id="rId13"/>
-    <p:sldId id="277" r:id="rId14"/>
-    <p:sldId id="278" r:id="rId15"/>
+    <p:sldId id="284" r:id="rId3"/>
+    <p:sldId id="279" r:id="rId4"/>
+    <p:sldId id="283" r:id="rId5"/>
+    <p:sldId id="280" r:id="rId6"/>
+    <p:sldId id="273" r:id="rId7"/>
+    <p:sldId id="274" r:id="rId8"/>
+    <p:sldId id="269" r:id="rId9"/>
+    <p:sldId id="275" r:id="rId10"/>
+    <p:sldId id="276" r:id="rId11"/>
+    <p:sldId id="270" r:id="rId12"/>
+    <p:sldId id="271" r:id="rId13"/>
+    <p:sldId id="272" r:id="rId14"/>
+    <p:sldId id="277" r:id="rId15"/>
+    <p:sldId id="278" r:id="rId16"/>
+    <p:sldId id="285" r:id="rId17"/>
   </p:sldIdLst>
   <p:sldSz cx="12192000" cy="6858000"/>
   <p:notesSz cx="6858000" cy="9144000"/>
@@ -258,7 +260,7 @@
           <a:p>
             <a:fld id="{6D2F5710-B8C1-45E8-BC94-2C035AAFE0CD}" type="datetimeFigureOut">
               <a:rPr lang="en-US" smtClean="0"/>
-              <a:t>1/13/2014</a:t>
+              <a:t>3/11/2015</a:t>
             </a:fld>
             <a:endParaRPr lang="en-US"/>
           </a:p>
@@ -474,7 +476,7 @@
           <a:p>
             <a:fld id="{6D2F5710-B8C1-45E8-BC94-2C035AAFE0CD}" type="datetimeFigureOut">
               <a:rPr lang="en-US" smtClean="0"/>
-              <a:t>1/13/2014</a:t>
+              <a:t>3/11/2015</a:t>
             </a:fld>
             <a:endParaRPr lang="en-US"/>
           </a:p>
@@ -654,7 +656,7 @@
           <a:p>
             <a:fld id="{6D2F5710-B8C1-45E8-BC94-2C035AAFE0CD}" type="datetimeFigureOut">
               <a:rPr lang="en-US" smtClean="0"/>
-              <a:t>1/13/2014</a:t>
+              <a:t>3/11/2015</a:t>
             </a:fld>
             <a:endParaRPr lang="en-US"/>
           </a:p>
@@ -857,7 +859,7 @@
           <a:p>
             <a:fld id="{6D2F5710-B8C1-45E8-BC94-2C035AAFE0CD}" type="datetimeFigureOut">
               <a:rPr lang="en-US" smtClean="0"/>
-              <a:t>1/13/2014</a:t>
+              <a:t>3/11/2015</a:t>
             </a:fld>
             <a:endParaRPr lang="en-US"/>
           </a:p>
@@ -1149,7 +1151,7 @@
           <a:p>
             <a:fld id="{6D2F5710-B8C1-45E8-BC94-2C035AAFE0CD}" type="datetimeFigureOut">
               <a:rPr lang="en-US" smtClean="0"/>
-              <a:t>1/13/2014</a:t>
+              <a:t>3/11/2015</a:t>
             </a:fld>
             <a:endParaRPr lang="en-US"/>
           </a:p>
@@ -1427,7 +1429,7 @@
           <a:p>
             <a:fld id="{6D2F5710-B8C1-45E8-BC94-2C035AAFE0CD}" type="datetimeFigureOut">
               <a:rPr lang="en-US" smtClean="0"/>
-              <a:t>1/13/2014</a:t>
+              <a:t>3/11/2015</a:t>
             </a:fld>
             <a:endParaRPr lang="en-US"/>
           </a:p>
@@ -1840,7 +1842,7 @@
           <a:p>
             <a:fld id="{6D2F5710-B8C1-45E8-BC94-2C035AAFE0CD}" type="datetimeFigureOut">
               <a:rPr lang="en-US" smtClean="0"/>
-              <a:t>1/13/2014</a:t>
+              <a:t>3/11/2015</a:t>
             </a:fld>
             <a:endParaRPr lang="en-US"/>
           </a:p>
@@ -2004,7 +2006,7 @@
           <a:p>
             <a:fld id="{6D2F5710-B8C1-45E8-BC94-2C035AAFE0CD}" type="datetimeFigureOut">
               <a:rPr lang="en-US" smtClean="0"/>
-              <a:t>1/13/2014</a:t>
+              <a:t>3/11/2015</a:t>
             </a:fld>
             <a:endParaRPr lang="en-US"/>
           </a:p>
@@ -2145,7 +2147,7 @@
           <a:p>
             <a:fld id="{6D2F5710-B8C1-45E8-BC94-2C035AAFE0CD}" type="datetimeFigureOut">
               <a:rPr lang="en-US" smtClean="0"/>
-              <a:t>1/13/2014</a:t>
+              <a:t>3/11/2015</a:t>
             </a:fld>
             <a:endParaRPr lang="en-US"/>
           </a:p>
@@ -2422,7 +2424,7 @@
           <a:p>
             <a:fld id="{6D2F5710-B8C1-45E8-BC94-2C035AAFE0CD}" type="datetimeFigureOut">
               <a:rPr lang="en-US" smtClean="0"/>
-              <a:t>1/13/2014</a:t>
+              <a:t>3/11/2015</a:t>
             </a:fld>
             <a:endParaRPr lang="en-US"/>
           </a:p>
@@ -2675,7 +2677,7 @@
           <a:p>
             <a:fld id="{6D2F5710-B8C1-45E8-BC94-2C035AAFE0CD}" type="datetimeFigureOut">
               <a:rPr lang="en-US" smtClean="0"/>
-              <a:t>1/13/2014</a:t>
+              <a:t>3/11/2015</a:t>
             </a:fld>
             <a:endParaRPr lang="en-US"/>
           </a:p>
@@ -2891,7 +2893,7 @@
             <a:fld id="{6D2F5710-B8C1-45E8-BC94-2C035AAFE0CD}" type="datetimeFigureOut">
               <a:rPr lang="en-US" smtClean="0"/>
               <a:pPr/>
-              <a:t>1/13/2014</a:t>
+              <a:t>3/11/2015</a:t>
             </a:fld>
             <a:endParaRPr lang="en-US"/>
           </a:p>
@@ -3396,8 +3398,8 @@
           <a:lstStyle/>
           <a:p>
             <a:r>
-              <a:rPr lang="en-US" dirty="0" smtClean="0"/>
-              <a:t>Digit Recognizer Dojo</a:t>
+              <a:rPr lang="pl-PL" dirty="0" smtClean="0"/>
+              <a:t>Tomasz Heimowski</a:t>
             </a:r>
             <a:endParaRPr lang="en-US" dirty="0"/>
           </a:p>
@@ -3413,15 +3415,42 @@
             <p:ph type="subTitle" idx="1"/>
           </p:nvPr>
         </p:nvSpPr>
-        <p:spPr/>
+        <p:spPr>
+          <a:xfrm>
+            <a:off x="1524000" y="3602037"/>
+            <a:ext cx="9144000" cy="2702509"/>
+          </a:xfrm>
+        </p:spPr>
         <p:txBody>
           <a:bodyPr/>
           <a:lstStyle/>
           <a:p>
             <a:r>
-              <a:rPr lang="en-US" dirty="0" smtClean="0"/>
-              <a:t>A Gentle Introduction to Machine Learning</a:t>
+              <a:rPr lang="pl-PL" dirty="0" smtClean="0"/>
+              <a:t>IHS Global</a:t>
             </a:r>
+          </a:p>
+          <a:p>
+            <a:r>
+              <a:rPr lang="pl-PL" dirty="0" smtClean="0">
+                <a:hlinkClick r:id="rId2"/>
+              </a:rPr>
+              <a:t>tomek.heimowski@gmail.com</a:t>
+            </a:r>
+            <a:endParaRPr lang="pl-PL" dirty="0" smtClean="0"/>
+          </a:p>
+          <a:p>
+            <a:r>
+              <a:rPr lang="pl-PL" dirty="0" smtClean="0"/>
+              <a:t>@</a:t>
+            </a:r>
+            <a:r>
+              <a:rPr lang="pl-PL" dirty="0" err="1" smtClean="0"/>
+              <a:t>theimowski</a:t>
+            </a:r>
+            <a:endParaRPr lang="pl-PL" dirty="0" smtClean="0"/>
+          </a:p>
+          <a:p>
             <a:endParaRPr lang="en-US" dirty="0"/>
           </a:p>
         </p:txBody>
@@ -3447,6 +3476,122 @@
 </file>
 
 <file path=ppt/slides/slide10.xml><?xml version="1.0" encoding="utf-8"?>
+<p:sld xmlns:a="http://schemas.openxmlformats.org/drawingml/2006/main" xmlns:r="http://schemas.openxmlformats.org/officeDocument/2006/relationships" xmlns:p="http://schemas.openxmlformats.org/presentationml/2006/main">
+  <p:cSld>
+    <p:spTree>
+      <p:nvGrpSpPr>
+        <p:cNvPr id="1" name=""/>
+        <p:cNvGrpSpPr/>
+        <p:nvPr/>
+      </p:nvGrpSpPr>
+      <p:grpSpPr>
+        <a:xfrm>
+          <a:off x="0" y="0"/>
+          <a:ext cx="0" cy="0"/>
+          <a:chOff x="0" y="0"/>
+          <a:chExt cx="0" cy="0"/>
+        </a:xfrm>
+      </p:grpSpPr>
+      <p:sp>
+        <p:nvSpPr>
+          <p:cNvPr id="2" name="Title 1"/>
+          <p:cNvSpPr>
+            <a:spLocks noGrp="1"/>
+          </p:cNvSpPr>
+          <p:nvPr>
+            <p:ph type="title"/>
+          </p:nvPr>
+        </p:nvSpPr>
+        <p:spPr/>
+        <p:txBody>
+          <a:bodyPr/>
+          <a:lstStyle/>
+          <a:p>
+            <a:r>
+              <a:rPr lang="en-US" dirty="0" smtClean="0"/>
+              <a:t>The KNN Classifier</a:t>
+            </a:r>
+            <a:endParaRPr lang="en-US" dirty="0"/>
+          </a:p>
+        </p:txBody>
+      </p:sp>
+      <p:sp>
+        <p:nvSpPr>
+          <p:cNvPr id="3" name="Content Placeholder 2"/>
+          <p:cNvSpPr>
+            <a:spLocks noGrp="1"/>
+          </p:cNvSpPr>
+          <p:nvPr>
+            <p:ph idx="1"/>
+          </p:nvPr>
+        </p:nvSpPr>
+        <p:spPr/>
+        <p:txBody>
+          <a:bodyPr>
+            <a:normAutofit fontScale="77500" lnSpcReduction="20000"/>
+          </a:bodyPr>
+          <a:lstStyle/>
+          <a:p>
+            <a:r>
+              <a:rPr lang="en-US" dirty="0" smtClean="0"/>
+              <a:t>KNN = K Nearest Neighbors</a:t>
+            </a:r>
+            <a:endParaRPr lang="en-US" dirty="0"/>
+          </a:p>
+          <a:p>
+            <a:r>
+              <a:rPr lang="en-US" dirty="0" smtClean="0"/>
+              <a:t>Given an unknown subject to classify,</a:t>
+            </a:r>
+          </a:p>
+          <a:p>
+            <a:r>
+              <a:rPr lang="en-US" dirty="0" smtClean="0"/>
+              <a:t>Lookup all the known examples,</a:t>
+            </a:r>
+          </a:p>
+          <a:p>
+            <a:r>
+              <a:rPr lang="en-US" dirty="0" smtClean="0"/>
+              <a:t>Find the K closest examples,</a:t>
+            </a:r>
+          </a:p>
+          <a:p>
+            <a:r>
+              <a:rPr lang="en-US" dirty="0" smtClean="0"/>
+              <a:t>Take a majority vote,</a:t>
+            </a:r>
+          </a:p>
+          <a:p>
+            <a:r>
+              <a:rPr lang="en-US" dirty="0" smtClean="0"/>
+              <a:t>Predict what the majority says</a:t>
+            </a:r>
+            <a:endParaRPr lang="en-US" dirty="0"/>
+          </a:p>
+        </p:txBody>
+      </p:sp>
+    </p:spTree>
+    <p:extLst>
+      <p:ext uri="{BB962C8B-B14F-4D97-AF65-F5344CB8AC3E}">
+        <p14:creationId xmlns:p14="http://schemas.microsoft.com/office/powerpoint/2010/main" val="1482448803"/>
+      </p:ext>
+    </p:extLst>
+  </p:cSld>
+  <p:clrMapOvr>
+    <a:masterClrMapping/>
+  </p:clrMapOvr>
+  <p:timing>
+    <p:tnLst>
+      <p:par>
+        <p:cTn id="1" dur="indefinite" restart="never" nodeType="tmRoot"/>
+      </p:par>
+    </p:tnLst>
+  </p:timing>
+</p:sld>
+</file>
+
+<file path=ppt/slides/slide11.xml><?xml version="1.0" encoding="utf-8"?>
 <p:sld xmlns:a="http://schemas.openxmlformats.org/drawingml/2006/main" xmlns:r="http://schemas.openxmlformats.org/officeDocument/2006/relationships" xmlns:p="http://schemas.openxmlformats.org/presentationml/2006/main">
   <p:cSld>
     <p:spTree>
@@ -6391,7 +6536,7 @@
 </p:sld>
 </file>
 
-<file path=ppt/slides/slide11.xml><?xml version="1.0" encoding="utf-8"?>
+<file path=ppt/slides/slide12.xml><?xml version="1.0" encoding="utf-8"?>
 <p:sld xmlns:a="http://schemas.openxmlformats.org/drawingml/2006/main" xmlns:r="http://schemas.openxmlformats.org/officeDocument/2006/relationships" xmlns:p="http://schemas.openxmlformats.org/presentationml/2006/main">
   <p:cSld>
     <p:spTree>
@@ -12144,7 +12289,7 @@
 </p:sld>
 </file>
 
-<file path=ppt/slides/slide12.xml><?xml version="1.0" encoding="utf-8"?>
+<file path=ppt/slides/slide13.xml><?xml version="1.0" encoding="utf-8"?>
 <p:sld xmlns:a="http://schemas.openxmlformats.org/drawingml/2006/main" xmlns:r="http://schemas.openxmlformats.org/officeDocument/2006/relationships" xmlns:p="http://schemas.openxmlformats.org/presentationml/2006/main">
   <p:cSld>
     <p:spTree>
@@ -15033,7 +15178,7 @@
 </p:sld>
 </file>
 
-<file path=ppt/slides/slide13.xml><?xml version="1.0" encoding="utf-8"?>
+<file path=ppt/slides/slide14.xml><?xml version="1.0" encoding="utf-8"?>
 <p:sld xmlns:a="http://schemas.openxmlformats.org/drawingml/2006/main" xmlns:r="http://schemas.openxmlformats.org/officeDocument/2006/relationships" xmlns:p="http://schemas.openxmlformats.org/presentationml/2006/main">
   <p:cSld>
     <p:spTree>
@@ -15093,7 +15238,7 @@
 </p:sld>
 </file>
 
-<file path=ppt/slides/slide14.xml><?xml version="1.0" encoding="utf-8"?>
+<file path=ppt/slides/slide15.xml><?xml version="1.0" encoding="utf-8"?>
 <p:sld xmlns:a="http://schemas.openxmlformats.org/drawingml/2006/main" xmlns:r="http://schemas.openxmlformats.org/officeDocument/2006/relationships" xmlns:p="http://schemas.openxmlformats.org/presentationml/2006/main">
   <p:cSld>
     <p:spTree>
@@ -15193,7 +15338,358 @@
 </p:sld>
 </file>
 
+<file path=ppt/slides/slide16.xml><?xml version="1.0" encoding="utf-8"?>
+<p:sld xmlns:a="http://schemas.openxmlformats.org/drawingml/2006/main" xmlns:r="http://schemas.openxmlformats.org/officeDocument/2006/relationships" xmlns:p="http://schemas.openxmlformats.org/presentationml/2006/main">
+  <p:cSld>
+    <p:spTree>
+      <p:nvGrpSpPr>
+        <p:cNvPr id="1" name=""/>
+        <p:cNvGrpSpPr/>
+        <p:nvPr/>
+      </p:nvGrpSpPr>
+      <p:grpSpPr>
+        <a:xfrm>
+          <a:off x="0" y="0"/>
+          <a:ext cx="0" cy="0"/>
+          <a:chOff x="0" y="0"/>
+          <a:chExt cx="0" cy="0"/>
+        </a:xfrm>
+      </p:grpSpPr>
+      <p:sp>
+        <p:nvSpPr>
+          <p:cNvPr id="2" name="Title 1"/>
+          <p:cNvSpPr>
+            <a:spLocks noGrp="1"/>
+          </p:cNvSpPr>
+          <p:nvPr>
+            <p:ph type="title"/>
+          </p:nvPr>
+        </p:nvSpPr>
+        <p:spPr/>
+        <p:txBody>
+          <a:bodyPr/>
+          <a:lstStyle/>
+          <a:p>
+            <a:r>
+              <a:rPr lang="pl-PL" dirty="0" smtClean="0"/>
+              <a:t>A </a:t>
+            </a:r>
+            <a:r>
+              <a:rPr lang="pl-PL" dirty="0" err="1" smtClean="0"/>
+              <a:t>few</a:t>
+            </a:r>
+            <a:r>
+              <a:rPr lang="pl-PL" dirty="0" smtClean="0"/>
+              <a:t> </a:t>
+            </a:r>
+            <a:r>
+              <a:rPr lang="pl-PL" dirty="0" err="1" smtClean="0"/>
+              <a:t>recommendations</a:t>
+            </a:r>
+            <a:endParaRPr lang="en-US" dirty="0"/>
+          </a:p>
+        </p:txBody>
+      </p:sp>
+      <p:sp>
+        <p:nvSpPr>
+          <p:cNvPr id="3" name="Content Placeholder 2"/>
+          <p:cNvSpPr>
+            <a:spLocks noGrp="1"/>
+          </p:cNvSpPr>
+          <p:nvPr>
+            <p:ph idx="1"/>
+          </p:nvPr>
+        </p:nvSpPr>
+        <p:spPr>
+          <a:xfrm>
+            <a:off x="850232" y="1825625"/>
+            <a:ext cx="10515600" cy="4351338"/>
+          </a:xfrm>
+        </p:spPr>
+        <p:txBody>
+          <a:bodyPr>
+            <a:normAutofit fontScale="92500" lnSpcReduction="10000"/>
+          </a:bodyPr>
+          <a:lstStyle/>
+          <a:p>
+            <a:r>
+              <a:rPr lang="en-US" b="1" dirty="0" smtClean="0">
+                <a:hlinkClick r:id="rId2"/>
+              </a:rPr>
+              <a:t>www.github.com/c4fsharp/Dojo-Digits-Recognizer</a:t>
+            </a:r>
+            <a:endParaRPr lang="pl-PL" b="1" dirty="0" smtClean="0"/>
+          </a:p>
+          <a:p>
+            <a:pPr lvl="1"/>
+            <a:r>
+              <a:rPr lang="pl-PL" b="1" dirty="0" smtClean="0"/>
+              <a:t>No </a:t>
+            </a:r>
+            <a:r>
+              <a:rPr lang="pl-PL" b="1" dirty="0" err="1" smtClean="0"/>
+              <a:t>need</a:t>
+            </a:r>
+            <a:r>
+              <a:rPr lang="pl-PL" b="1" dirty="0" smtClean="0"/>
+              <a:t> to </a:t>
+            </a:r>
+            <a:r>
+              <a:rPr lang="pl-PL" b="1" dirty="0" err="1" smtClean="0"/>
+              <a:t>create</a:t>
+            </a:r>
+            <a:r>
+              <a:rPr lang="pl-PL" b="1" dirty="0" smtClean="0"/>
+              <a:t> </a:t>
+            </a:r>
+            <a:r>
+              <a:rPr lang="pl-PL" b="1" dirty="0" err="1" smtClean="0"/>
+              <a:t>new</a:t>
+            </a:r>
+            <a:r>
+              <a:rPr lang="pl-PL" b="1" dirty="0" smtClean="0"/>
+              <a:t> Library Project – </a:t>
+            </a:r>
+            <a:r>
+              <a:rPr lang="pl-PL" b="1" dirty="0" err="1" smtClean="0"/>
+              <a:t>just</a:t>
+            </a:r>
+            <a:r>
+              <a:rPr lang="pl-PL" b="1" dirty="0" smtClean="0"/>
+              <a:t> </a:t>
+            </a:r>
+            <a:r>
+              <a:rPr lang="pl-PL" b="1" dirty="0" err="1" smtClean="0"/>
+              <a:t>use</a:t>
+            </a:r>
+            <a:r>
+              <a:rPr lang="pl-PL" b="1" dirty="0" smtClean="0"/>
+              <a:t> .</a:t>
+            </a:r>
+            <a:r>
+              <a:rPr lang="pl-PL" b="1" dirty="0" err="1" smtClean="0"/>
+              <a:t>fsx</a:t>
+            </a:r>
+            <a:endParaRPr lang="pl-PL" b="1" dirty="0" smtClean="0"/>
+          </a:p>
+          <a:p>
+            <a:pPr lvl="1"/>
+            <a:r>
+              <a:rPr lang="pl-PL" b="1" dirty="0" smtClean="0"/>
+              <a:t>„Alt + </a:t>
+            </a:r>
+            <a:r>
+              <a:rPr lang="pl-PL" b="1" dirty="0" err="1" smtClean="0"/>
+              <a:t>Enter</a:t>
+            </a:r>
+            <a:r>
+              <a:rPr lang="pl-PL" b="1" dirty="0" smtClean="0"/>
+              <a:t>” – </a:t>
+            </a:r>
+            <a:r>
+              <a:rPr lang="pl-PL" b="1" dirty="0" err="1" smtClean="0"/>
+              <a:t>Execute</a:t>
+            </a:r>
+            <a:r>
+              <a:rPr lang="pl-PL" b="1" dirty="0" smtClean="0"/>
+              <a:t> </a:t>
+            </a:r>
+            <a:r>
+              <a:rPr lang="pl-PL" b="1" u="sng" dirty="0" err="1" smtClean="0"/>
+              <a:t>selected</a:t>
+            </a:r>
+            <a:r>
+              <a:rPr lang="pl-PL" b="1" dirty="0" smtClean="0"/>
+              <a:t> </a:t>
+            </a:r>
+            <a:r>
+              <a:rPr lang="pl-PL" b="1" dirty="0" err="1" smtClean="0"/>
+              <a:t>code</a:t>
+            </a:r>
+            <a:r>
+              <a:rPr lang="pl-PL" b="1" dirty="0" smtClean="0"/>
+              <a:t> in </a:t>
+            </a:r>
+            <a:r>
+              <a:rPr lang="pl-PL" b="1" dirty="0" err="1" smtClean="0"/>
+              <a:t>interactive</a:t>
+            </a:r>
+            <a:endParaRPr lang="pl-PL" b="1" dirty="0" smtClean="0"/>
+          </a:p>
+          <a:p>
+            <a:pPr lvl="1"/>
+            <a:r>
+              <a:rPr lang="pl-PL" b="1" dirty="0" smtClean="0"/>
+              <a:t>Watch out for </a:t>
+            </a:r>
+            <a:r>
+              <a:rPr lang="pl-PL" b="1" dirty="0" err="1" smtClean="0"/>
+              <a:t>whitespaces</a:t>
+            </a:r>
+            <a:endParaRPr lang="pl-PL" b="1" dirty="0"/>
+          </a:p>
+          <a:p>
+            <a:pPr lvl="1"/>
+            <a:r>
+              <a:rPr lang="pl-PL" b="1" dirty="0" err="1" smtClean="0"/>
+              <a:t>Try</a:t>
+            </a:r>
+            <a:r>
+              <a:rPr lang="pl-PL" b="1" dirty="0" smtClean="0"/>
+              <a:t> to </a:t>
+            </a:r>
+            <a:r>
+              <a:rPr lang="pl-PL" b="1" dirty="0" err="1" smtClean="0"/>
+              <a:t>avoid</a:t>
+            </a:r>
+            <a:r>
+              <a:rPr lang="pl-PL" b="1" dirty="0" smtClean="0"/>
+              <a:t> red </a:t>
+            </a:r>
+            <a:r>
+              <a:rPr lang="pl-PL" b="1" dirty="0" err="1" smtClean="0"/>
+              <a:t>squigglies</a:t>
+            </a:r>
+            <a:endParaRPr lang="pl-PL" b="1" dirty="0" smtClean="0"/>
+          </a:p>
+          <a:p>
+            <a:pPr lvl="1"/>
+            <a:r>
+              <a:rPr lang="pl-PL" b="1" dirty="0" err="1" smtClean="0"/>
+              <a:t>When</a:t>
+            </a:r>
+            <a:r>
+              <a:rPr lang="pl-PL" b="1" dirty="0" smtClean="0"/>
+              <a:t> in </a:t>
+            </a:r>
+            <a:r>
+              <a:rPr lang="pl-PL" b="1" dirty="0" err="1" smtClean="0"/>
+              <a:t>trouble</a:t>
+            </a:r>
+            <a:r>
+              <a:rPr lang="pl-PL" b="1" dirty="0" smtClean="0"/>
+              <a:t> - </a:t>
+            </a:r>
+            <a:r>
+              <a:rPr lang="pl-PL" b="1" dirty="0" err="1" smtClean="0"/>
+              <a:t>ask</a:t>
+            </a:r>
+            <a:r>
+              <a:rPr lang="pl-PL" b="1" dirty="0" smtClean="0"/>
+              <a:t> for </a:t>
+            </a:r>
+            <a:r>
+              <a:rPr lang="pl-PL" b="1" dirty="0" err="1" smtClean="0"/>
+              <a:t>help</a:t>
+            </a:r>
+            <a:endParaRPr lang="en-US" dirty="0"/>
+          </a:p>
+        </p:txBody>
+      </p:sp>
+    </p:spTree>
+    <p:extLst>
+      <p:ext uri="{BB962C8B-B14F-4D97-AF65-F5344CB8AC3E}">
+        <p14:creationId xmlns:p14="http://schemas.microsoft.com/office/powerpoint/2010/main" val="2824270103"/>
+      </p:ext>
+    </p:extLst>
+  </p:cSld>
+  <p:clrMapOvr>
+    <a:masterClrMapping/>
+  </p:clrMapOvr>
+  <p:timing>
+    <p:tnLst>
+      <p:par>
+        <p:cTn id="1" dur="indefinite" restart="never" nodeType="tmRoot"/>
+      </p:par>
+    </p:tnLst>
+  </p:timing>
+</p:sld>
+</file>
+
 <file path=ppt/slides/slide2.xml><?xml version="1.0" encoding="utf-8"?>
+<p:sld xmlns:a="http://schemas.openxmlformats.org/drawingml/2006/main" xmlns:r="http://schemas.openxmlformats.org/officeDocument/2006/relationships" xmlns:p="http://schemas.openxmlformats.org/presentationml/2006/main">
+  <p:cSld>
+    <p:spTree>
+      <p:nvGrpSpPr>
+        <p:cNvPr id="1" name=""/>
+        <p:cNvGrpSpPr/>
+        <p:nvPr/>
+      </p:nvGrpSpPr>
+      <p:grpSpPr>
+        <a:xfrm>
+          <a:off x="0" y="0"/>
+          <a:ext cx="0" cy="0"/>
+          <a:chOff x="0" y="0"/>
+          <a:chExt cx="0" cy="0"/>
+        </a:xfrm>
+      </p:grpSpPr>
+      <p:sp>
+        <p:nvSpPr>
+          <p:cNvPr id="10" name="Title 9"/>
+          <p:cNvSpPr>
+            <a:spLocks noGrp="1"/>
+          </p:cNvSpPr>
+          <p:nvPr>
+            <p:ph type="ctrTitle"/>
+          </p:nvPr>
+        </p:nvSpPr>
+        <p:spPr/>
+        <p:txBody>
+          <a:bodyPr/>
+          <a:lstStyle/>
+          <a:p>
+            <a:r>
+              <a:rPr lang="en-US" dirty="0" smtClean="0"/>
+              <a:t>Digit Recognizer Dojo</a:t>
+            </a:r>
+            <a:endParaRPr lang="en-US" dirty="0"/>
+          </a:p>
+        </p:txBody>
+      </p:sp>
+      <p:sp>
+        <p:nvSpPr>
+          <p:cNvPr id="11" name="Subtitle 10"/>
+          <p:cNvSpPr>
+            <a:spLocks noGrp="1"/>
+          </p:cNvSpPr>
+          <p:nvPr>
+            <p:ph type="subTitle" idx="1"/>
+          </p:nvPr>
+        </p:nvSpPr>
+        <p:spPr/>
+        <p:txBody>
+          <a:bodyPr/>
+          <a:lstStyle/>
+          <a:p>
+            <a:r>
+              <a:rPr lang="en-US" dirty="0" smtClean="0"/>
+              <a:t>A Gentle Introduction to Machine Learning</a:t>
+            </a:r>
+            <a:endParaRPr lang="en-US" dirty="0"/>
+          </a:p>
+        </p:txBody>
+      </p:sp>
+    </p:spTree>
+    <p:extLst>
+      <p:ext uri="{BB962C8B-B14F-4D97-AF65-F5344CB8AC3E}">
+        <p14:creationId xmlns:p14="http://schemas.microsoft.com/office/powerpoint/2010/main" val="871063810"/>
+      </p:ext>
+    </p:extLst>
+  </p:cSld>
+  <p:clrMapOvr>
+    <a:masterClrMapping/>
+  </p:clrMapOvr>
+  <p:timing>
+    <p:tnLst>
+      <p:par>
+        <p:cTn id="1" dur="indefinite" restart="never" nodeType="tmRoot"/>
+      </p:par>
+    </p:tnLst>
+  </p:timing>
+</p:sld>
+</file>
+
+<file path=ppt/slides/slide3.xml><?xml version="1.0" encoding="utf-8"?>
 <p:sld xmlns:a="http://schemas.openxmlformats.org/drawingml/2006/main" xmlns:r="http://schemas.openxmlformats.org/officeDocument/2006/relationships" xmlns:p="http://schemas.openxmlformats.org/presentationml/2006/main">
   <p:cSld>
     <p:spTree>
@@ -15303,7 +15799,7 @@
 </p:sld>
 </file>
 
-<file path=ppt/slides/slide3.xml><?xml version="1.0" encoding="utf-8"?>
+<file path=ppt/slides/slide4.xml><?xml version="1.0" encoding="utf-8"?>
 <p:sld xmlns:a="http://schemas.openxmlformats.org/drawingml/2006/main" xmlns:r="http://schemas.openxmlformats.org/officeDocument/2006/relationships" xmlns:p="http://schemas.openxmlformats.org/presentationml/2006/main">
   <p:cSld>
     <p:spTree>
@@ -15391,7 +15887,7 @@
 </p:sld>
 </file>
 
-<file path=ppt/slides/slide4.xml><?xml version="1.0" encoding="utf-8"?>
+<file path=ppt/slides/slide5.xml><?xml version="1.0" encoding="utf-8"?>
 <p:sld xmlns:a="http://schemas.openxmlformats.org/drawingml/2006/main" xmlns:r="http://schemas.openxmlformats.org/officeDocument/2006/relationships" xmlns:p="http://schemas.openxmlformats.org/presentationml/2006/main">
   <p:cSld>
     <p:spTree>
@@ -15505,7 +16001,7 @@
 </p:sld>
 </file>
 
-<file path=ppt/slides/slide5.xml><?xml version="1.0" encoding="utf-8"?>
+<file path=ppt/slides/slide6.xml><?xml version="1.0" encoding="utf-8"?>
 <p:sld xmlns:a="http://schemas.openxmlformats.org/drawingml/2006/main" xmlns:r="http://schemas.openxmlformats.org/officeDocument/2006/relationships" xmlns:p="http://schemas.openxmlformats.org/presentationml/2006/main">
   <p:cSld>
     <p:spTree>
@@ -15613,7 +16109,7 @@
 </p:sld>
 </file>
 
-<file path=ppt/slides/slide6.xml><?xml version="1.0" encoding="utf-8"?>
+<file path=ppt/slides/slide7.xml><?xml version="1.0" encoding="utf-8"?>
 <p:sld xmlns:a="http://schemas.openxmlformats.org/drawingml/2006/main" xmlns:r="http://schemas.openxmlformats.org/officeDocument/2006/relationships" xmlns:p="http://schemas.openxmlformats.org/presentationml/2006/main">
   <p:cSld>
     <p:spTree>
@@ -15730,7 +16226,7 @@
 </p:sld>
 </file>
 
-<file path=ppt/slides/slide7.xml><?xml version="1.0" encoding="utf-8"?>
+<file path=ppt/slides/slide8.xml><?xml version="1.0" encoding="utf-8"?>
 <p:sld xmlns:a="http://schemas.openxmlformats.org/drawingml/2006/main" xmlns:r="http://schemas.openxmlformats.org/officeDocument/2006/relationships" xmlns:p="http://schemas.openxmlformats.org/presentationml/2006/main">
   <p:cSld>
     <p:spTree>
@@ -18868,7 +19364,7 @@
 </p:sld>
 </file>
 
-<file path=ppt/slides/slide8.xml><?xml version="1.0" encoding="utf-8"?>
+<file path=ppt/slides/slide9.xml><?xml version="1.0" encoding="utf-8"?>
 <p:sld xmlns:a="http://schemas.openxmlformats.org/drawingml/2006/main" xmlns:r="http://schemas.openxmlformats.org/officeDocument/2006/relationships" xmlns:p="http://schemas.openxmlformats.org/presentationml/2006/main">
   <p:cSld>
     <p:spTree>
@@ -18949,122 +19445,6 @@
     <p:extLst>
       <p:ext uri="{BB962C8B-B14F-4D97-AF65-F5344CB8AC3E}">
         <p14:creationId xmlns:p14="http://schemas.microsoft.com/office/powerpoint/2010/main" val="2980026011"/>
-      </p:ext>
-    </p:extLst>
-  </p:cSld>
-  <p:clrMapOvr>
-    <a:masterClrMapping/>
-  </p:clrMapOvr>
-  <p:timing>
-    <p:tnLst>
-      <p:par>
-        <p:cTn id="1" dur="indefinite" restart="never" nodeType="tmRoot"/>
-      </p:par>
-    </p:tnLst>
-  </p:timing>
-</p:sld>
-</file>
-
-<file path=ppt/slides/slide9.xml><?xml version="1.0" encoding="utf-8"?>
-<p:sld xmlns:a="http://schemas.openxmlformats.org/drawingml/2006/main" xmlns:r="http://schemas.openxmlformats.org/officeDocument/2006/relationships" xmlns:p="http://schemas.openxmlformats.org/presentationml/2006/main">
-  <p:cSld>
-    <p:spTree>
-      <p:nvGrpSpPr>
-        <p:cNvPr id="1" name=""/>
-        <p:cNvGrpSpPr/>
-        <p:nvPr/>
-      </p:nvGrpSpPr>
-      <p:grpSpPr>
-        <a:xfrm>
-          <a:off x="0" y="0"/>
-          <a:ext cx="0" cy="0"/>
-          <a:chOff x="0" y="0"/>
-          <a:chExt cx="0" cy="0"/>
-        </a:xfrm>
-      </p:grpSpPr>
-      <p:sp>
-        <p:nvSpPr>
-          <p:cNvPr id="2" name="Title 1"/>
-          <p:cNvSpPr>
-            <a:spLocks noGrp="1"/>
-          </p:cNvSpPr>
-          <p:nvPr>
-            <p:ph type="title"/>
-          </p:nvPr>
-        </p:nvSpPr>
-        <p:spPr/>
-        <p:txBody>
-          <a:bodyPr/>
-          <a:lstStyle/>
-          <a:p>
-            <a:r>
-              <a:rPr lang="en-US" dirty="0" smtClean="0"/>
-              <a:t>The KNN Classifier</a:t>
-            </a:r>
-            <a:endParaRPr lang="en-US" dirty="0"/>
-          </a:p>
-        </p:txBody>
-      </p:sp>
-      <p:sp>
-        <p:nvSpPr>
-          <p:cNvPr id="3" name="Content Placeholder 2"/>
-          <p:cNvSpPr>
-            <a:spLocks noGrp="1"/>
-          </p:cNvSpPr>
-          <p:nvPr>
-            <p:ph idx="1"/>
-          </p:nvPr>
-        </p:nvSpPr>
-        <p:spPr/>
-        <p:txBody>
-          <a:bodyPr>
-            <a:normAutofit fontScale="77500" lnSpcReduction="20000"/>
-          </a:bodyPr>
-          <a:lstStyle/>
-          <a:p>
-            <a:r>
-              <a:rPr lang="en-US" dirty="0" smtClean="0"/>
-              <a:t>KNN = K Nearest Neighbors</a:t>
-            </a:r>
-            <a:endParaRPr lang="en-US" dirty="0"/>
-          </a:p>
-          <a:p>
-            <a:r>
-              <a:rPr lang="en-US" dirty="0" smtClean="0"/>
-              <a:t>Given an unknown subject to classify,</a:t>
-            </a:r>
-          </a:p>
-          <a:p>
-            <a:r>
-              <a:rPr lang="en-US" dirty="0" smtClean="0"/>
-              <a:t>Lookup all the known examples,</a:t>
-            </a:r>
-          </a:p>
-          <a:p>
-            <a:r>
-              <a:rPr lang="en-US" dirty="0" smtClean="0"/>
-              <a:t>Find the K closest examples,</a:t>
-            </a:r>
-          </a:p>
-          <a:p>
-            <a:r>
-              <a:rPr lang="en-US" dirty="0" smtClean="0"/>
-              <a:t>Take a majority vote,</a:t>
-            </a:r>
-          </a:p>
-          <a:p>
-            <a:r>
-              <a:rPr lang="en-US" dirty="0" smtClean="0"/>
-              <a:t>Predict what the majority says</a:t>
-            </a:r>
-            <a:endParaRPr lang="en-US" dirty="0"/>
-          </a:p>
-        </p:txBody>
-      </p:sp>
-    </p:spTree>
-    <p:extLst>
-      <p:ext uri="{BB962C8B-B14F-4D97-AF65-F5344CB8AC3E}">
-        <p14:creationId xmlns:p14="http://schemas.microsoft.com/office/powerpoint/2010/main" val="1482448803"/>
       </p:ext>
     </p:extLst>
   </p:cSld>
